--- a/DATA_608/Story2/Story 2.pptx
+++ b/DATA_608/Story2/Story 2.pptx
@@ -14307,7 +14307,7 @@
           <a:p>
             <a:r>
               <a:rPr lang="en-US" dirty="0"/>
-              <a:t>The Federal Reserve’s mandate is an extremely hard one and requires many trade-offs. Increases in interest rates to curb rising inflation can also result in less economic growth and fewer job opportunities. Conversely, decreases in interest rates to accommodate for greater job growth lend to greater stimulus of the economy and increases in inflationary pressure. </a:t>
+              <a:t>The Federal Reserve’s mandate is an extremely hard one and requires many trade-offs. Increases in interest rates to curb rising inflation can also result in less economic growth and fewer job opportunities. Conversely, decreases in interest rates to accommodate for greater job growth lead to greater stimulus of the economy and increases in inflationary pressure. </a:t>
             </a:r>
           </a:p>
           <a:p>
